--- a/presentations/MasterPresentation/Implementation of a Design Review Application.pptx
+++ b/presentations/MasterPresentation/Implementation of a Design Review Application.pptx
@@ -6,12 +6,20 @@
     <p:sldMasterId id="2147483668" r:id="rId2"/>
   </p:sldMasterIdLst>
   <p:notesMasterIdLst>
-    <p:notesMasterId r:id="rId6"/>
+    <p:notesMasterId r:id="rId14"/>
   </p:notesMasterIdLst>
   <p:sldIdLst>
     <p:sldId id="256" r:id="rId3"/>
     <p:sldId id="258" r:id="rId4"/>
-    <p:sldId id="260" r:id="rId5"/>
+    <p:sldId id="261" r:id="rId5"/>
+    <p:sldId id="262" r:id="rId6"/>
+    <p:sldId id="263" r:id="rId7"/>
+    <p:sldId id="264" r:id="rId8"/>
+    <p:sldId id="265" r:id="rId9"/>
+    <p:sldId id="266" r:id="rId10"/>
+    <p:sldId id="267" r:id="rId11"/>
+    <p:sldId id="268" r:id="rId12"/>
+    <p:sldId id="260" r:id="rId13"/>
   </p:sldIdLst>
   <p:sldSz cx="9144000" cy="6858000" type="screen4x3"/>
   <p:notesSz cx="6858000" cy="9144000"/>
@@ -266,7 +274,7 @@
           <a:p>
             <a:fld id="{C00C5E0D-B76F-47A8-91B1-C71AD6BE59C3}" type="datetimeFigureOut">
               <a:rPr lang="en-GB" smtClean="0"/>
-              <a:t>5/29/2017</a:t>
+              <a:t>01/06/2017</a:t>
             </a:fld>
             <a:endParaRPr lang="en-GB" dirty="0"/>
           </a:p>
@@ -766,7 +774,7 @@
           <a:p>
             <a:fld id="{AD2EC2AB-FD5C-4EF7-AF8D-FB95907AF3A4}" type="slidenum">
               <a:rPr lang="en-GB" smtClean="0"/>
-              <a:t>3</a:t>
+              <a:t>11</a:t>
             </a:fld>
             <a:endParaRPr lang="en-GB" dirty="0"/>
           </a:p>
@@ -1372,7 +1380,7 @@
                 <a:ea typeface="+mn-ea"/>
                 <a:cs typeface="+mn-cs"/>
               </a:rPr>
-              <a:t>29 May 2017</a:t>
+              <a:t>07 June 2017</a:t>
             </a:r>
             <a:endParaRPr lang="en-GB" sz="1600" b="0" kern="1200" dirty="0">
               <a:solidFill>
@@ -1452,6 +1460,17 @@
               <a:buFont typeface="Wingdings 2" pitchFamily="18" charset="2"/>
               <a:buNone/>
             </a:pPr>
+            <a:r>
+              <a:rPr lang="en-GB" altLang="ja-JP" sz="1600" b="1" kern="1200" baseline="0">
+                <a:solidFill>
+                  <a:schemeClr val="tx2"/>
+                </a:solidFill>
+                <a:latin typeface="+mn-lt"/>
+                <a:ea typeface="+mn-ea"/>
+                <a:cs typeface="+mn-cs"/>
+              </a:rPr>
+              <a:t>Andreas Oven Aalsaunet</a:t>
+            </a:r>
             <a:endParaRPr lang="en-GB" altLang="ja-JP" sz="1600" b="1" kern="1200" baseline="0" dirty="0">
               <a:solidFill>
                 <a:schemeClr val="tx2"/>
@@ -1510,6 +1529,17 @@
                 <a:spcPts val="600"/>
               </a:spcBef>
             </a:pPr>
+            <a:r>
+              <a:rPr lang="en-GB" sz="1200" b="1" kern="1200" cap="all" baseline="0">
+                <a:solidFill>
+                  <a:schemeClr val="bg1"/>
+                </a:solidFill>
+                <a:latin typeface="+mn-lt"/>
+                <a:ea typeface="+mn-ea"/>
+                <a:cs typeface="+mn-cs"/>
+              </a:rPr>
+              <a:t>Software</a:t>
+            </a:r>
             <a:endParaRPr lang="en-GB" sz="1200" b="1" kern="1200" cap="all" baseline="0" dirty="0">
               <a:solidFill>
                 <a:schemeClr val="bg1"/>
@@ -2527,7 +2557,7 @@
                 <a:ea typeface="ＭＳ Ｐゴシック" charset="-128"/>
                 <a:cs typeface="Arial" charset="0"/>
               </a:rPr>
-              <a:t>29 May 2017</a:t>
+              <a:t>07 June 2017</a:t>
             </a:r>
             <a:endParaRPr lang="en-GB" altLang="ja-JP" sz="700" dirty="0">
               <a:solidFill>
@@ -3960,7 +3990,7 @@
                 <a:ea typeface="ＭＳ Ｐゴシック" charset="-128"/>
                 <a:cs typeface="Arial" charset="0"/>
               </a:rPr>
-              <a:t>29 May 2017</a:t>
+              <a:t>07 June 2017</a:t>
             </a:r>
             <a:endParaRPr lang="en-GB" altLang="ja-JP" sz="700" dirty="0">
               <a:solidFill>
@@ -4019,6 +4049,17 @@
                 <a:spcPts val="600"/>
               </a:spcBef>
             </a:pPr>
+            <a:r>
+              <a:rPr lang="en-GB" sz="1200" b="1" kern="1200" cap="all" baseline="0">
+                <a:solidFill>
+                  <a:schemeClr val="bg1"/>
+                </a:solidFill>
+                <a:latin typeface="+mn-lt"/>
+                <a:ea typeface="+mn-ea"/>
+                <a:cs typeface="+mn-cs"/>
+              </a:rPr>
+              <a:t>Software</a:t>
+            </a:r>
             <a:endParaRPr lang="en-GB" sz="1200" b="1" kern="1200" cap="all" baseline="0" dirty="0">
               <a:solidFill>
                 <a:schemeClr val="bg1"/>
@@ -4685,7 +4726,7 @@
                 <a:ea typeface="ＭＳ Ｐゴシック" charset="-128"/>
                 <a:cs typeface="Arial" charset="0"/>
               </a:rPr>
-              <a:t>29 May 2017</a:t>
+              <a:t>07 June 2017</a:t>
             </a:r>
             <a:endParaRPr lang="en-GB" altLang="ja-JP" sz="700" dirty="0">
               <a:solidFill>
@@ -4731,6 +4772,14 @@
               <a:buFont typeface="Wingdings 2" pitchFamily="18" charset="2"/>
               <a:buNone/>
             </a:pPr>
+            <a:r>
+              <a:rPr lang="en-GB" sz="1400" b="1" cap="all" baseline="0">
+                <a:solidFill>
+                  <a:schemeClr val="bg1"/>
+                </a:solidFill>
+              </a:rPr>
+              <a:t>Software</a:t>
+            </a:r>
             <a:endParaRPr lang="en-GB" sz="1400" b="1" cap="all" baseline="0" dirty="0">
               <a:solidFill>
                 <a:schemeClr val="bg1"/>
@@ -5334,6 +5383,17 @@
               <a:buFont typeface="Wingdings 2" pitchFamily="18" charset="2"/>
               <a:buNone/>
             </a:pPr>
+            <a:r>
+              <a:rPr lang="en-GB" altLang="ja-JP" sz="1200" b="1" kern="1200" baseline="0">
+                <a:solidFill>
+                  <a:schemeClr val="tx2"/>
+                </a:solidFill>
+                <a:latin typeface="+mn-lt"/>
+                <a:ea typeface="+mn-ea"/>
+                <a:cs typeface="+mn-cs"/>
+              </a:rPr>
+              <a:t>Andreas Oven Aalsaunet</a:t>
+            </a:r>
             <a:endParaRPr lang="en-GB" altLang="ja-JP" sz="1200" b="1" kern="1200" baseline="0" dirty="0">
               <a:solidFill>
                 <a:schemeClr val="tx2"/>
@@ -5406,7 +5466,7 @@
                 <a:ea typeface="+mn-ea"/>
                 <a:cs typeface="+mn-cs"/>
               </a:rPr>
-              <a:t>29 May 2017</a:t>
+              <a:t>07 June 2017</a:t>
             </a:r>
             <a:endParaRPr lang="en-GB" sz="1200" b="0" kern="1200" dirty="0">
               <a:solidFill>
@@ -5593,6 +5653,17 @@
                 <a:spcPts val="600"/>
               </a:spcBef>
             </a:pPr>
+            <a:r>
+              <a:rPr lang="en-GB" sz="1200" b="1" kern="1200" cap="all" baseline="0">
+                <a:solidFill>
+                  <a:schemeClr val="bg1"/>
+                </a:solidFill>
+                <a:latin typeface="+mn-lt"/>
+                <a:ea typeface="+mn-ea"/>
+                <a:cs typeface="+mn-cs"/>
+              </a:rPr>
+              <a:t>Software</a:t>
+            </a:r>
             <a:endParaRPr lang="en-GB" sz="1200" b="1" kern="1200" cap="all" baseline="0" dirty="0">
               <a:solidFill>
                 <a:schemeClr val="bg1"/>
@@ -7489,7 +7560,7 @@
                 <a:ea typeface="ＭＳ Ｐゴシック" charset="-128"/>
                 <a:cs typeface="Arial" charset="0"/>
               </a:rPr>
-              <a:t>29 May 2017</a:t>
+              <a:t>07 June 2017</a:t>
             </a:r>
             <a:endParaRPr lang="en-GB" altLang="ja-JP" sz="700" dirty="0">
               <a:solidFill>
@@ -8270,7 +8341,7 @@
                 <a:ea typeface="ＭＳ Ｐゴシック" charset="-128"/>
                 <a:cs typeface="Arial" charset="0"/>
               </a:rPr>
-              <a:t>29 May 2017</a:t>
+              <a:t>07 June 2017</a:t>
             </a:r>
             <a:endParaRPr lang="en-GB" altLang="ja-JP" sz="700" dirty="0">
               <a:solidFill>
@@ -8764,6 +8835,245 @@
 </p:sld>
 </file>
 
+<file path=ppt/slides/slide10.xml><?xml version="1.0" encoding="utf-8"?>
+<p:sld xmlns:a="http://schemas.openxmlformats.org/drawingml/2006/main" xmlns:r="http://schemas.openxmlformats.org/officeDocument/2006/relationships" xmlns:p="http://schemas.openxmlformats.org/presentationml/2006/main">
+  <p:cSld>
+    <p:spTree>
+      <p:nvGrpSpPr>
+        <p:cNvPr id="1" name=""/>
+        <p:cNvGrpSpPr/>
+        <p:nvPr/>
+      </p:nvGrpSpPr>
+      <p:grpSpPr>
+        <a:xfrm>
+          <a:off x="0" y="0"/>
+          <a:ext cx="0" cy="0"/>
+          <a:chOff x="0" y="0"/>
+          <a:chExt cx="0" cy="0"/>
+        </a:xfrm>
+      </p:grpSpPr>
+      <p:sp>
+        <p:nvSpPr>
+          <p:cNvPr id="2" name="Title 1"/>
+          <p:cNvSpPr>
+            <a:spLocks noGrp="1"/>
+          </p:cNvSpPr>
+          <p:nvPr>
+            <p:ph type="title"/>
+          </p:nvPr>
+        </p:nvSpPr>
+        <p:spPr/>
+        <p:txBody>
+          <a:bodyPr/>
+          <a:lstStyle/>
+          <a:p>
+            <a:r>
+              <a:rPr lang="en-GB" dirty="0"/>
+              <a:t>State of the Art Cont.</a:t>
+            </a:r>
+          </a:p>
+        </p:txBody>
+      </p:sp>
+      <p:sp>
+        <p:nvSpPr>
+          <p:cNvPr id="3" name="Content Placeholder 2"/>
+          <p:cNvSpPr>
+            <a:spLocks noGrp="1"/>
+          </p:cNvSpPr>
+          <p:nvPr>
+            <p:ph idx="1"/>
+          </p:nvPr>
+        </p:nvSpPr>
+        <p:spPr/>
+        <p:txBody>
+          <a:bodyPr/>
+          <a:lstStyle/>
+          <a:p>
+            <a:pPr marL="0" indent="0">
+              <a:buNone/>
+            </a:pPr>
+            <a:r>
+              <a:rPr lang="en-GB" dirty="0"/>
+              <a:t>Gesture Recognition Technology:</a:t>
+            </a:r>
+          </a:p>
+          <a:p>
+            <a:pPr marL="0" indent="0">
+              <a:buNone/>
+            </a:pPr>
+            <a:endParaRPr lang="en-GB" dirty="0"/>
+          </a:p>
+          <a:p>
+            <a:endParaRPr lang="en-GB" dirty="0"/>
+          </a:p>
+        </p:txBody>
+      </p:sp>
+      <p:sp>
+        <p:nvSpPr>
+          <p:cNvPr id="4" name="Slide Number Placeholder 3"/>
+          <p:cNvSpPr>
+            <a:spLocks noGrp="1"/>
+          </p:cNvSpPr>
+          <p:nvPr>
+            <p:ph type="sldNum" sz="quarter" idx="12"/>
+          </p:nvPr>
+        </p:nvSpPr>
+        <p:spPr/>
+        <p:txBody>
+          <a:bodyPr/>
+          <a:lstStyle/>
+          <a:p>
+            <a:fld id="{5BA07366-CB75-4AA8-9E5B-928B849F427C}" type="slidenum">
+              <a:rPr lang="en-GB" smtClean="0"/>
+              <a:t>10</a:t>
+            </a:fld>
+            <a:endParaRPr lang="en-GB" dirty="0"/>
+          </a:p>
+        </p:txBody>
+      </p:sp>
+    </p:spTree>
+    <p:extLst>
+      <p:ext uri="{BB962C8B-B14F-4D97-AF65-F5344CB8AC3E}">
+        <p14:creationId xmlns:p14="http://schemas.microsoft.com/office/powerpoint/2010/main" val="3738665585"/>
+      </p:ext>
+    </p:extLst>
+  </p:cSld>
+  <p:clrMapOvr>
+    <a:masterClrMapping/>
+  </p:clrMapOvr>
+</p:sld>
+</file>
+
+<file path=ppt/slides/slide11.xml><?xml version="1.0" encoding="utf-8"?>
+<p:sld xmlns:a="http://schemas.openxmlformats.org/drawingml/2006/main" xmlns:r="http://schemas.openxmlformats.org/officeDocument/2006/relationships" xmlns:p="http://schemas.openxmlformats.org/presentationml/2006/main">
+  <p:cSld>
+    <p:spTree>
+      <p:nvGrpSpPr>
+        <p:cNvPr id="1" name=""/>
+        <p:cNvGrpSpPr/>
+        <p:nvPr/>
+      </p:nvGrpSpPr>
+      <p:grpSpPr>
+        <a:xfrm>
+          <a:off x="0" y="0"/>
+          <a:ext cx="0" cy="0"/>
+          <a:chOff x="0" y="0"/>
+          <a:chExt cx="0" cy="0"/>
+        </a:xfrm>
+      </p:grpSpPr>
+      <p:sp>
+        <p:nvSpPr>
+          <p:cNvPr id="2" name="Title 1"/>
+          <p:cNvSpPr>
+            <a:spLocks noGrp="1"/>
+          </p:cNvSpPr>
+          <p:nvPr>
+            <p:ph type="title"/>
+          </p:nvPr>
+        </p:nvSpPr>
+        <p:spPr/>
+        <p:txBody>
+          <a:bodyPr/>
+          <a:lstStyle/>
+          <a:p>
+            <a:endParaRPr lang="en-GB" dirty="0"/>
+          </a:p>
+        </p:txBody>
+      </p:sp>
+      <p:sp>
+        <p:nvSpPr>
+          <p:cNvPr id="6" name="Slide Number Placeholder 5"/>
+          <p:cNvSpPr>
+            <a:spLocks noGrp="1"/>
+          </p:cNvSpPr>
+          <p:nvPr>
+            <p:ph type="sldNum" sz="quarter" idx="12"/>
+          </p:nvPr>
+        </p:nvSpPr>
+        <p:spPr/>
+        <p:txBody>
+          <a:bodyPr/>
+          <a:lstStyle/>
+          <a:p>
+            <a:fld id="{5BA07366-CB75-4AA8-9E5B-928B849F427C}" type="slidenum">
+              <a:rPr lang="en-GB" smtClean="0"/>
+              <a:pPr/>
+              <a:t>11</a:t>
+            </a:fld>
+            <a:endParaRPr lang="en-GB" dirty="0"/>
+          </a:p>
+        </p:txBody>
+      </p:sp>
+      <p:sp>
+        <p:nvSpPr>
+          <p:cNvPr id="3" name="Text Placeholder 2"/>
+          <p:cNvSpPr>
+            <a:spLocks noGrp="1"/>
+          </p:cNvSpPr>
+          <p:nvPr>
+            <p:ph type="body" sz="quarter" idx="13"/>
+          </p:nvPr>
+        </p:nvSpPr>
+        <p:spPr/>
+        <p:txBody>
+          <a:bodyPr/>
+          <a:lstStyle/>
+          <a:p>
+            <a:endParaRPr lang="en-GB" dirty="0"/>
+          </a:p>
+        </p:txBody>
+      </p:sp>
+      <p:sp>
+        <p:nvSpPr>
+          <p:cNvPr id="4" name="Text Placeholder 3"/>
+          <p:cNvSpPr>
+            <a:spLocks noGrp="1"/>
+          </p:cNvSpPr>
+          <p:nvPr>
+            <p:ph type="body" sz="quarter" idx="14"/>
+          </p:nvPr>
+        </p:nvSpPr>
+        <p:spPr/>
+        <p:txBody>
+          <a:bodyPr/>
+          <a:lstStyle/>
+          <a:p>
+            <a:endParaRPr lang="en-GB" dirty="0"/>
+          </a:p>
+        </p:txBody>
+      </p:sp>
+      <p:sp>
+        <p:nvSpPr>
+          <p:cNvPr id="5" name="Text Placeholder 4"/>
+          <p:cNvSpPr>
+            <a:spLocks noGrp="1"/>
+          </p:cNvSpPr>
+          <p:nvPr>
+            <p:ph type="body" sz="quarter" idx="15"/>
+          </p:nvPr>
+        </p:nvSpPr>
+        <p:spPr/>
+        <p:txBody>
+          <a:bodyPr/>
+          <a:lstStyle/>
+          <a:p>
+            <a:endParaRPr lang="en-GB" dirty="0"/>
+          </a:p>
+        </p:txBody>
+      </p:sp>
+    </p:spTree>
+    <p:extLst>
+      <p:ext uri="{BB962C8B-B14F-4D97-AF65-F5344CB8AC3E}">
+        <p14:creationId xmlns:p14="http://schemas.microsoft.com/office/powerpoint/2010/main" val="3281650295"/>
+      </p:ext>
+    </p:extLst>
+  </p:cSld>
+  <p:clrMapOvr>
+    <a:masterClrMapping/>
+  </p:clrMapOvr>
+</p:sld>
+</file>
+
 <file path=ppt/slides/slide2.xml><?xml version="1.0" encoding="utf-8"?>
 <p:sld xmlns:a="http://schemas.openxmlformats.org/drawingml/2006/main" xmlns:r="http://schemas.openxmlformats.org/officeDocument/2006/relationships" xmlns:p="http://schemas.openxmlformats.org/presentationml/2006/main">
   <p:cSld>
@@ -8796,7 +9106,10 @@
           <a:bodyPr/>
           <a:lstStyle/>
           <a:p>
-            <a:endParaRPr lang="en-GB" dirty="0"/>
+            <a:r>
+              <a:rPr lang="en-GB" dirty="0"/>
+              <a:t>DNV-GL – A Classification Society</a:t>
+            </a:r>
           </a:p>
         </p:txBody>
       </p:sp>
@@ -8815,6 +9128,9 @@
           <a:bodyPr/>
           <a:lstStyle/>
           <a:p>
+            <a:pPr marL="0" indent="0">
+              <a:buNone/>
+            </a:pPr>
             <a:endParaRPr lang="en-GB" dirty="0"/>
           </a:p>
         </p:txBody>
@@ -8888,13 +9204,35 @@
           <a:bodyPr/>
           <a:lstStyle/>
           <a:p>
-            <a:endParaRPr lang="en-GB" dirty="0"/>
-          </a:p>
-        </p:txBody>
-      </p:sp>
-      <p:sp>
-        <p:nvSpPr>
-          <p:cNvPr id="6" name="Slide Number Placeholder 5"/>
+            <a:r>
+              <a:rPr lang="en-GB" dirty="0"/>
+              <a:t>DNV-GL’s Current Design Review Workflow</a:t>
+            </a:r>
+          </a:p>
+        </p:txBody>
+      </p:sp>
+      <p:sp>
+        <p:nvSpPr>
+          <p:cNvPr id="3" name="Content Placeholder 2"/>
+          <p:cNvSpPr>
+            <a:spLocks noGrp="1"/>
+          </p:cNvSpPr>
+          <p:nvPr>
+            <p:ph idx="1"/>
+          </p:nvPr>
+        </p:nvSpPr>
+        <p:spPr/>
+        <p:txBody>
+          <a:bodyPr/>
+          <a:lstStyle/>
+          <a:p>
+            <a:endParaRPr lang="en-GB"/>
+          </a:p>
+        </p:txBody>
+      </p:sp>
+      <p:sp>
+        <p:nvSpPr>
+          <p:cNvPr id="4" name="Slide Number Placeholder 3"/>
           <p:cNvSpPr>
             <a:spLocks noGrp="1"/>
           </p:cNvSpPr>
@@ -8909,74 +9247,983 @@
           <a:p>
             <a:fld id="{5BA07366-CB75-4AA8-9E5B-928B849F427C}" type="slidenum">
               <a:rPr lang="en-GB" smtClean="0"/>
-              <a:pPr/>
               <a:t>3</a:t>
             </a:fld>
             <a:endParaRPr lang="en-GB" dirty="0"/>
           </a:p>
         </p:txBody>
       </p:sp>
-      <p:sp>
-        <p:nvSpPr>
-          <p:cNvPr id="3" name="Text Placeholder 2"/>
-          <p:cNvSpPr>
-            <a:spLocks noGrp="1"/>
-          </p:cNvSpPr>
-          <p:nvPr>
-            <p:ph type="body" sz="quarter" idx="13"/>
-          </p:nvPr>
-        </p:nvSpPr>
-        <p:spPr/>
-        <p:txBody>
-          <a:bodyPr/>
-          <a:lstStyle/>
-          <a:p>
-            <a:endParaRPr lang="en-GB" dirty="0"/>
-          </a:p>
-        </p:txBody>
-      </p:sp>
-      <p:sp>
-        <p:nvSpPr>
-          <p:cNvPr id="4" name="Text Placeholder 3"/>
-          <p:cNvSpPr>
-            <a:spLocks noGrp="1"/>
-          </p:cNvSpPr>
-          <p:nvPr>
-            <p:ph type="body" sz="quarter" idx="14"/>
-          </p:nvPr>
-        </p:nvSpPr>
-        <p:spPr/>
-        <p:txBody>
-          <a:bodyPr/>
-          <a:lstStyle/>
-          <a:p>
-            <a:endParaRPr lang="en-GB" dirty="0"/>
-          </a:p>
-        </p:txBody>
-      </p:sp>
-      <p:sp>
-        <p:nvSpPr>
-          <p:cNvPr id="5" name="Text Placeholder 4"/>
-          <p:cNvSpPr>
-            <a:spLocks noGrp="1"/>
-          </p:cNvSpPr>
-          <p:nvPr>
-            <p:ph type="body" sz="quarter" idx="15"/>
-          </p:nvPr>
-        </p:nvSpPr>
-        <p:spPr/>
-        <p:txBody>
-          <a:bodyPr/>
-          <a:lstStyle/>
-          <a:p>
-            <a:endParaRPr lang="en-GB" dirty="0"/>
-          </a:p>
-        </p:txBody>
-      </p:sp>
     </p:spTree>
     <p:extLst>
       <p:ext uri="{BB962C8B-B14F-4D97-AF65-F5344CB8AC3E}">
-        <p14:creationId xmlns:p14="http://schemas.microsoft.com/office/powerpoint/2010/main" val="3281650295"/>
+        <p14:creationId xmlns:p14="http://schemas.microsoft.com/office/powerpoint/2010/main" val="542066138"/>
+      </p:ext>
+    </p:extLst>
+  </p:cSld>
+  <p:clrMapOvr>
+    <a:masterClrMapping/>
+  </p:clrMapOvr>
+</p:sld>
+</file>
+
+<file path=ppt/slides/slide4.xml><?xml version="1.0" encoding="utf-8"?>
+<p:sld xmlns:a="http://schemas.openxmlformats.org/drawingml/2006/main" xmlns:r="http://schemas.openxmlformats.org/officeDocument/2006/relationships" xmlns:p="http://schemas.openxmlformats.org/presentationml/2006/main">
+  <p:cSld>
+    <p:spTree>
+      <p:nvGrpSpPr>
+        <p:cNvPr id="1" name=""/>
+        <p:cNvGrpSpPr/>
+        <p:nvPr/>
+      </p:nvGrpSpPr>
+      <p:grpSpPr>
+        <a:xfrm>
+          <a:off x="0" y="0"/>
+          <a:ext cx="0" cy="0"/>
+          <a:chOff x="0" y="0"/>
+          <a:chExt cx="0" cy="0"/>
+        </a:xfrm>
+      </p:grpSpPr>
+      <p:sp>
+        <p:nvSpPr>
+          <p:cNvPr id="2" name="Title 1"/>
+          <p:cNvSpPr>
+            <a:spLocks noGrp="1"/>
+          </p:cNvSpPr>
+          <p:nvPr>
+            <p:ph type="title"/>
+          </p:nvPr>
+        </p:nvSpPr>
+        <p:spPr/>
+        <p:txBody>
+          <a:bodyPr/>
+          <a:lstStyle/>
+          <a:p>
+            <a:r>
+              <a:rPr lang="en-GB" dirty="0"/>
+              <a:t>Issues with this Workflow</a:t>
+            </a:r>
+          </a:p>
+        </p:txBody>
+      </p:sp>
+      <p:sp>
+        <p:nvSpPr>
+          <p:cNvPr id="3" name="Content Placeholder 2"/>
+          <p:cNvSpPr>
+            <a:spLocks noGrp="1"/>
+          </p:cNvSpPr>
+          <p:nvPr>
+            <p:ph idx="1"/>
+          </p:nvPr>
+        </p:nvSpPr>
+        <p:spPr/>
+        <p:txBody>
+          <a:bodyPr/>
+          <a:lstStyle/>
+          <a:p>
+            <a:endParaRPr lang="en-GB"/>
+          </a:p>
+        </p:txBody>
+      </p:sp>
+      <p:sp>
+        <p:nvSpPr>
+          <p:cNvPr id="4" name="Slide Number Placeholder 3"/>
+          <p:cNvSpPr>
+            <a:spLocks noGrp="1"/>
+          </p:cNvSpPr>
+          <p:nvPr>
+            <p:ph type="sldNum" sz="quarter" idx="12"/>
+          </p:nvPr>
+        </p:nvSpPr>
+        <p:spPr/>
+        <p:txBody>
+          <a:bodyPr/>
+          <a:lstStyle/>
+          <a:p>
+            <a:fld id="{5BA07366-CB75-4AA8-9E5B-928B849F427C}" type="slidenum">
+              <a:rPr lang="en-GB" smtClean="0"/>
+              <a:t>4</a:t>
+            </a:fld>
+            <a:endParaRPr lang="en-GB" dirty="0"/>
+          </a:p>
+        </p:txBody>
+      </p:sp>
+    </p:spTree>
+    <p:extLst>
+      <p:ext uri="{BB962C8B-B14F-4D97-AF65-F5344CB8AC3E}">
+        <p14:creationId xmlns:p14="http://schemas.microsoft.com/office/powerpoint/2010/main" val="1825434466"/>
+      </p:ext>
+    </p:extLst>
+  </p:cSld>
+  <p:clrMapOvr>
+    <a:masterClrMapping/>
+  </p:clrMapOvr>
+</p:sld>
+</file>
+
+<file path=ppt/slides/slide5.xml><?xml version="1.0" encoding="utf-8"?>
+<p:sld xmlns:a="http://schemas.openxmlformats.org/drawingml/2006/main" xmlns:r="http://schemas.openxmlformats.org/officeDocument/2006/relationships" xmlns:p="http://schemas.openxmlformats.org/presentationml/2006/main">
+  <p:cSld>
+    <p:spTree>
+      <p:nvGrpSpPr>
+        <p:cNvPr id="1" name=""/>
+        <p:cNvGrpSpPr/>
+        <p:nvPr/>
+      </p:nvGrpSpPr>
+      <p:grpSpPr>
+        <a:xfrm>
+          <a:off x="0" y="0"/>
+          <a:ext cx="0" cy="0"/>
+          <a:chOff x="0" y="0"/>
+          <a:chExt cx="0" cy="0"/>
+        </a:xfrm>
+      </p:grpSpPr>
+      <p:sp>
+        <p:nvSpPr>
+          <p:cNvPr id="2" name="Title 1"/>
+          <p:cNvSpPr>
+            <a:spLocks noGrp="1"/>
+          </p:cNvSpPr>
+          <p:nvPr>
+            <p:ph type="title"/>
+          </p:nvPr>
+        </p:nvSpPr>
+        <p:spPr/>
+        <p:txBody>
+          <a:bodyPr/>
+          <a:lstStyle/>
+          <a:p>
+            <a:r>
+              <a:rPr lang="en-GB" dirty="0"/>
+              <a:t>The Digital Design Review Workflow</a:t>
+            </a:r>
+          </a:p>
+        </p:txBody>
+      </p:sp>
+      <p:sp>
+        <p:nvSpPr>
+          <p:cNvPr id="3" name="Content Placeholder 2"/>
+          <p:cNvSpPr>
+            <a:spLocks noGrp="1"/>
+          </p:cNvSpPr>
+          <p:nvPr>
+            <p:ph idx="1"/>
+          </p:nvPr>
+        </p:nvSpPr>
+        <p:spPr/>
+        <p:txBody>
+          <a:bodyPr/>
+          <a:lstStyle/>
+          <a:p>
+            <a:endParaRPr lang="en-GB"/>
+          </a:p>
+        </p:txBody>
+      </p:sp>
+      <p:sp>
+        <p:nvSpPr>
+          <p:cNvPr id="4" name="Slide Number Placeholder 3"/>
+          <p:cNvSpPr>
+            <a:spLocks noGrp="1"/>
+          </p:cNvSpPr>
+          <p:nvPr>
+            <p:ph type="sldNum" sz="quarter" idx="12"/>
+          </p:nvPr>
+        </p:nvSpPr>
+        <p:spPr/>
+        <p:txBody>
+          <a:bodyPr/>
+          <a:lstStyle/>
+          <a:p>
+            <a:fld id="{5BA07366-CB75-4AA8-9E5B-928B849F427C}" type="slidenum">
+              <a:rPr lang="en-GB" smtClean="0"/>
+              <a:t>5</a:t>
+            </a:fld>
+            <a:endParaRPr lang="en-GB" dirty="0"/>
+          </a:p>
+        </p:txBody>
+      </p:sp>
+    </p:spTree>
+    <p:extLst>
+      <p:ext uri="{BB962C8B-B14F-4D97-AF65-F5344CB8AC3E}">
+        <p14:creationId xmlns:p14="http://schemas.microsoft.com/office/powerpoint/2010/main" val="2292376556"/>
+      </p:ext>
+    </p:extLst>
+  </p:cSld>
+  <p:clrMapOvr>
+    <a:masterClrMapping/>
+  </p:clrMapOvr>
+</p:sld>
+</file>
+
+<file path=ppt/slides/slide6.xml><?xml version="1.0" encoding="utf-8"?>
+<p:sld xmlns:a="http://schemas.openxmlformats.org/drawingml/2006/main" xmlns:r="http://schemas.openxmlformats.org/officeDocument/2006/relationships" xmlns:p="http://schemas.openxmlformats.org/presentationml/2006/main">
+  <p:cSld>
+    <p:spTree>
+      <p:nvGrpSpPr>
+        <p:cNvPr id="1" name=""/>
+        <p:cNvGrpSpPr/>
+        <p:nvPr/>
+      </p:nvGrpSpPr>
+      <p:grpSpPr>
+        <a:xfrm>
+          <a:off x="0" y="0"/>
+          <a:ext cx="0" cy="0"/>
+          <a:chOff x="0" y="0"/>
+          <a:chExt cx="0" cy="0"/>
+        </a:xfrm>
+      </p:grpSpPr>
+      <p:sp>
+        <p:nvSpPr>
+          <p:cNvPr id="2" name="Title 1"/>
+          <p:cNvSpPr>
+            <a:spLocks noGrp="1"/>
+          </p:cNvSpPr>
+          <p:nvPr>
+            <p:ph type="title"/>
+          </p:nvPr>
+        </p:nvSpPr>
+        <p:spPr/>
+        <p:txBody>
+          <a:bodyPr/>
+          <a:lstStyle/>
+          <a:p>
+            <a:r>
+              <a:rPr lang="en-GB" dirty="0"/>
+              <a:t>The Intersection of Many Fields</a:t>
+            </a:r>
+          </a:p>
+        </p:txBody>
+      </p:sp>
+      <p:sp>
+        <p:nvSpPr>
+          <p:cNvPr id="3" name="Content Placeholder 2"/>
+          <p:cNvSpPr>
+            <a:spLocks noGrp="1"/>
+          </p:cNvSpPr>
+          <p:nvPr>
+            <p:ph idx="1"/>
+          </p:nvPr>
+        </p:nvSpPr>
+        <p:spPr/>
+        <p:txBody>
+          <a:bodyPr/>
+          <a:lstStyle/>
+          <a:p>
+            <a:r>
+              <a:rPr lang="en-GB" dirty="0"/>
+              <a:t>Virtual Reality Technology</a:t>
+            </a:r>
+          </a:p>
+          <a:p>
+            <a:pPr lvl="1"/>
+            <a:r>
+              <a:rPr lang="en-GB" dirty="0"/>
+              <a:t>Big impact on application design and performance aspects</a:t>
+            </a:r>
+          </a:p>
+          <a:p>
+            <a:r>
+              <a:rPr lang="en-GB" dirty="0"/>
+              <a:t>3D Rendering Techniques</a:t>
+            </a:r>
+          </a:p>
+          <a:p>
+            <a:pPr lvl="1"/>
+            <a:r>
+              <a:rPr lang="en-GB" dirty="0"/>
+              <a:t>Many formats (at least &gt;50), complex models.</a:t>
+            </a:r>
+          </a:p>
+          <a:p>
+            <a:r>
+              <a:rPr lang="en-GB" dirty="0"/>
+              <a:t>Game Engine Ecosystems</a:t>
+            </a:r>
+          </a:p>
+          <a:p>
+            <a:pPr lvl="1"/>
+            <a:r>
+              <a:rPr lang="en-GB" dirty="0"/>
+              <a:t>Viable platforms for 3D- and VR-based applications</a:t>
+            </a:r>
+          </a:p>
+          <a:p>
+            <a:r>
+              <a:rPr lang="en-GB" dirty="0"/>
+              <a:t>Gesture Recognition Technology</a:t>
+            </a:r>
+          </a:p>
+          <a:p>
+            <a:pPr lvl="1"/>
+            <a:r>
+              <a:rPr lang="en-GB" dirty="0"/>
+              <a:t>Offers promising interaction possibilities, but often have reliability issues</a:t>
+            </a:r>
+          </a:p>
+          <a:p>
+            <a:r>
+              <a:rPr lang="en-GB" dirty="0"/>
+              <a:t>Network Technology (e.g. with regard to “multiplayer aspects”)</a:t>
+            </a:r>
+          </a:p>
+          <a:p>
+            <a:pPr lvl="1"/>
+            <a:r>
+              <a:rPr lang="en-GB" dirty="0"/>
+              <a:t>VR can make lag, jitter and packet loss more critical</a:t>
+            </a:r>
+          </a:p>
+          <a:p>
+            <a:r>
+              <a:rPr lang="en-GB" dirty="0"/>
+              <a:t>Security (many strictly proprietary 3D models)</a:t>
+            </a:r>
+          </a:p>
+          <a:p>
+            <a:pPr lvl="1"/>
+            <a:r>
+              <a:rPr lang="en-GB" dirty="0"/>
+              <a:t>Sometimes desirable to never have the models themselves on the web</a:t>
+            </a:r>
+          </a:p>
+          <a:p>
+            <a:endParaRPr lang="en-GB" dirty="0"/>
+          </a:p>
+        </p:txBody>
+      </p:sp>
+      <p:sp>
+        <p:nvSpPr>
+          <p:cNvPr id="4" name="Slide Number Placeholder 3"/>
+          <p:cNvSpPr>
+            <a:spLocks noGrp="1"/>
+          </p:cNvSpPr>
+          <p:nvPr>
+            <p:ph type="sldNum" sz="quarter" idx="12"/>
+          </p:nvPr>
+        </p:nvSpPr>
+        <p:spPr/>
+        <p:txBody>
+          <a:bodyPr/>
+          <a:lstStyle/>
+          <a:p>
+            <a:fld id="{5BA07366-CB75-4AA8-9E5B-928B849F427C}" type="slidenum">
+              <a:rPr lang="en-GB" smtClean="0"/>
+              <a:t>6</a:t>
+            </a:fld>
+            <a:endParaRPr lang="en-GB" dirty="0"/>
+          </a:p>
+        </p:txBody>
+      </p:sp>
+    </p:spTree>
+    <p:extLst>
+      <p:ext uri="{BB962C8B-B14F-4D97-AF65-F5344CB8AC3E}">
+        <p14:creationId xmlns:p14="http://schemas.microsoft.com/office/powerpoint/2010/main" val="900332233"/>
+      </p:ext>
+    </p:extLst>
+  </p:cSld>
+  <p:clrMapOvr>
+    <a:masterClrMapping/>
+  </p:clrMapOvr>
+  <p:timing>
+    <p:tnLst>
+      <p:par>
+        <p:cTn id="1" dur="indefinite" restart="never" nodeType="tmRoot">
+          <p:childTnLst>
+            <p:seq concurrent="1" nextAc="seek">
+              <p:cTn id="2" dur="indefinite" nodeType="mainSeq">
+                <p:childTnLst>
+                  <p:par>
+                    <p:cTn id="3" fill="hold">
+                      <p:stCondLst>
+                        <p:cond delay="indefinite"/>
+                      </p:stCondLst>
+                      <p:childTnLst>
+                        <p:par>
+                          <p:cTn id="4" fill="hold">
+                            <p:stCondLst>
+                              <p:cond delay="0"/>
+                            </p:stCondLst>
+                            <p:childTnLst>
+                              <p:par>
+                                <p:cTn id="5" presetID="18" presetClass="emph" presetSubtype="0" fill="hold" nodeType="clickEffect">
+                                  <p:stCondLst>
+                                    <p:cond delay="0"/>
+                                  </p:stCondLst>
+                                  <p:iterate type="lt">
+                                    <p:tmPct val="4000"/>
+                                  </p:iterate>
+                                  <p:childTnLst>
+                                    <p:set>
+                                      <p:cBhvr override="childStyle">
+                                        <p:cTn id="6" dur="500" fill="hold"/>
+                                        <p:tgtEl>
+                                          <p:spTgt spid="3">
+                                            <p:txEl>
+                                              <p:pRg st="0" end="0"/>
+                                            </p:txEl>
+                                          </p:spTgt>
+                                        </p:tgtEl>
+                                        <p:attrNameLst>
+                                          <p:attrName>style.textDecorationUnderline</p:attrName>
+                                        </p:attrNameLst>
+                                      </p:cBhvr>
+                                      <p:to>
+                                        <p:strVal val="true"/>
+                                      </p:to>
+                                    </p:set>
+                                  </p:childTnLst>
+                                </p:cTn>
+                              </p:par>
+                            </p:childTnLst>
+                          </p:cTn>
+                        </p:par>
+                      </p:childTnLst>
+                    </p:cTn>
+                  </p:par>
+                  <p:par>
+                    <p:cTn id="7" fill="hold">
+                      <p:stCondLst>
+                        <p:cond delay="indefinite"/>
+                      </p:stCondLst>
+                      <p:childTnLst>
+                        <p:par>
+                          <p:cTn id="8" fill="hold">
+                            <p:stCondLst>
+                              <p:cond delay="0"/>
+                            </p:stCondLst>
+                            <p:childTnLst>
+                              <p:par>
+                                <p:cTn id="9" presetID="18" presetClass="emph" presetSubtype="0" fill="hold" nodeType="clickEffect">
+                                  <p:stCondLst>
+                                    <p:cond delay="0"/>
+                                  </p:stCondLst>
+                                  <p:iterate type="lt">
+                                    <p:tmPct val="4000"/>
+                                  </p:iterate>
+                                  <p:childTnLst>
+                                    <p:set>
+                                      <p:cBhvr override="childStyle">
+                                        <p:cTn id="10" dur="500" fill="hold"/>
+                                        <p:tgtEl>
+                                          <p:spTgt spid="3">
+                                            <p:txEl>
+                                              <p:pRg st="4" end="4"/>
+                                            </p:txEl>
+                                          </p:spTgt>
+                                        </p:tgtEl>
+                                        <p:attrNameLst>
+                                          <p:attrName>style.textDecorationUnderline</p:attrName>
+                                        </p:attrNameLst>
+                                      </p:cBhvr>
+                                      <p:to>
+                                        <p:strVal val="true"/>
+                                      </p:to>
+                                    </p:set>
+                                  </p:childTnLst>
+                                </p:cTn>
+                              </p:par>
+                            </p:childTnLst>
+                          </p:cTn>
+                        </p:par>
+                      </p:childTnLst>
+                    </p:cTn>
+                  </p:par>
+                  <p:par>
+                    <p:cTn id="11" fill="hold">
+                      <p:stCondLst>
+                        <p:cond delay="indefinite"/>
+                      </p:stCondLst>
+                      <p:childTnLst>
+                        <p:par>
+                          <p:cTn id="12" fill="hold">
+                            <p:stCondLst>
+                              <p:cond delay="0"/>
+                            </p:stCondLst>
+                            <p:childTnLst>
+                              <p:par>
+                                <p:cTn id="13" presetID="18" presetClass="emph" presetSubtype="0" fill="hold" nodeType="clickEffect">
+                                  <p:stCondLst>
+                                    <p:cond delay="0"/>
+                                  </p:stCondLst>
+                                  <p:iterate type="lt">
+                                    <p:tmPct val="4000"/>
+                                  </p:iterate>
+                                  <p:childTnLst>
+                                    <p:set>
+                                      <p:cBhvr override="childStyle">
+                                        <p:cTn id="14" dur="500" fill="hold"/>
+                                        <p:tgtEl>
+                                          <p:spTgt spid="3">
+                                            <p:txEl>
+                                              <p:pRg st="6" end="6"/>
+                                            </p:txEl>
+                                          </p:spTgt>
+                                        </p:tgtEl>
+                                        <p:attrNameLst>
+                                          <p:attrName>style.textDecorationUnderline</p:attrName>
+                                        </p:attrNameLst>
+                                      </p:cBhvr>
+                                      <p:to>
+                                        <p:strVal val="true"/>
+                                      </p:to>
+                                    </p:set>
+                                  </p:childTnLst>
+                                </p:cTn>
+                              </p:par>
+                            </p:childTnLst>
+                          </p:cTn>
+                        </p:par>
+                      </p:childTnLst>
+                    </p:cTn>
+                  </p:par>
+                </p:childTnLst>
+              </p:cTn>
+              <p:prevCondLst>
+                <p:cond evt="onPrev" delay="0">
+                  <p:tgtEl>
+                    <p:sldTgt/>
+                  </p:tgtEl>
+                </p:cond>
+              </p:prevCondLst>
+              <p:nextCondLst>
+                <p:cond evt="onNext" delay="0">
+                  <p:tgtEl>
+                    <p:sldTgt/>
+                  </p:tgtEl>
+                </p:cond>
+              </p:nextCondLst>
+            </p:seq>
+          </p:childTnLst>
+        </p:cTn>
+      </p:par>
+    </p:tnLst>
+  </p:timing>
+</p:sld>
+</file>
+
+<file path=ppt/slides/slide7.xml><?xml version="1.0" encoding="utf-8"?>
+<p:sld xmlns:a="http://schemas.openxmlformats.org/drawingml/2006/main" xmlns:r="http://schemas.openxmlformats.org/officeDocument/2006/relationships" xmlns:p="http://schemas.openxmlformats.org/presentationml/2006/main">
+  <p:cSld>
+    <p:spTree>
+      <p:nvGrpSpPr>
+        <p:cNvPr id="1" name=""/>
+        <p:cNvGrpSpPr/>
+        <p:nvPr/>
+      </p:nvGrpSpPr>
+      <p:grpSpPr>
+        <a:xfrm>
+          <a:off x="0" y="0"/>
+          <a:ext cx="0" cy="0"/>
+          <a:chOff x="0" y="0"/>
+          <a:chExt cx="0" cy="0"/>
+        </a:xfrm>
+      </p:grpSpPr>
+      <p:sp>
+        <p:nvSpPr>
+          <p:cNvPr id="2" name="Title 1"/>
+          <p:cNvSpPr>
+            <a:spLocks noGrp="1"/>
+          </p:cNvSpPr>
+          <p:nvPr>
+            <p:ph type="title"/>
+          </p:nvPr>
+        </p:nvSpPr>
+        <p:spPr/>
+        <p:txBody>
+          <a:bodyPr/>
+          <a:lstStyle/>
+          <a:p>
+            <a:r>
+              <a:rPr lang="en-GB" dirty="0"/>
+              <a:t>Problem Definitions</a:t>
+            </a:r>
+          </a:p>
+        </p:txBody>
+      </p:sp>
+      <p:sp>
+        <p:nvSpPr>
+          <p:cNvPr id="3" name="Content Placeholder 2"/>
+          <p:cNvSpPr>
+            <a:spLocks noGrp="1"/>
+          </p:cNvSpPr>
+          <p:nvPr>
+            <p:ph idx="1"/>
+          </p:nvPr>
+        </p:nvSpPr>
+        <p:spPr/>
+        <p:txBody>
+          <a:bodyPr/>
+          <a:lstStyle/>
+          <a:p>
+            <a:endParaRPr lang="en-GB"/>
+          </a:p>
+        </p:txBody>
+      </p:sp>
+      <p:sp>
+        <p:nvSpPr>
+          <p:cNvPr id="4" name="Slide Number Placeholder 3"/>
+          <p:cNvSpPr>
+            <a:spLocks noGrp="1"/>
+          </p:cNvSpPr>
+          <p:nvPr>
+            <p:ph type="sldNum" sz="quarter" idx="12"/>
+          </p:nvPr>
+        </p:nvSpPr>
+        <p:spPr/>
+        <p:txBody>
+          <a:bodyPr/>
+          <a:lstStyle/>
+          <a:p>
+            <a:fld id="{5BA07366-CB75-4AA8-9E5B-928B849F427C}" type="slidenum">
+              <a:rPr lang="en-GB" smtClean="0"/>
+              <a:t>7</a:t>
+            </a:fld>
+            <a:endParaRPr lang="en-GB" dirty="0"/>
+          </a:p>
+        </p:txBody>
+      </p:sp>
+    </p:spTree>
+    <p:extLst>
+      <p:ext uri="{BB962C8B-B14F-4D97-AF65-F5344CB8AC3E}">
+        <p14:creationId xmlns:p14="http://schemas.microsoft.com/office/powerpoint/2010/main" val="2077783738"/>
+      </p:ext>
+    </p:extLst>
+  </p:cSld>
+  <p:clrMapOvr>
+    <a:masterClrMapping/>
+  </p:clrMapOvr>
+</p:sld>
+</file>
+
+<file path=ppt/slides/slide8.xml><?xml version="1.0" encoding="utf-8"?>
+<p:sld xmlns:a="http://schemas.openxmlformats.org/drawingml/2006/main" xmlns:r="http://schemas.openxmlformats.org/officeDocument/2006/relationships" xmlns:p="http://schemas.openxmlformats.org/presentationml/2006/main">
+  <p:cSld>
+    <p:spTree>
+      <p:nvGrpSpPr>
+        <p:cNvPr id="1" name=""/>
+        <p:cNvGrpSpPr/>
+        <p:nvPr/>
+      </p:nvGrpSpPr>
+      <p:grpSpPr>
+        <a:xfrm>
+          <a:off x="0" y="0"/>
+          <a:ext cx="0" cy="0"/>
+          <a:chOff x="0" y="0"/>
+          <a:chExt cx="0" cy="0"/>
+        </a:xfrm>
+      </p:grpSpPr>
+      <p:sp>
+        <p:nvSpPr>
+          <p:cNvPr id="2" name="Title 1"/>
+          <p:cNvSpPr>
+            <a:spLocks noGrp="1"/>
+          </p:cNvSpPr>
+          <p:nvPr>
+            <p:ph type="title"/>
+          </p:nvPr>
+        </p:nvSpPr>
+        <p:spPr/>
+        <p:txBody>
+          <a:bodyPr/>
+          <a:lstStyle/>
+          <a:p>
+            <a:r>
+              <a:rPr lang="en-GB" dirty="0"/>
+              <a:t>Methods</a:t>
+            </a:r>
+          </a:p>
+        </p:txBody>
+      </p:sp>
+      <p:sp>
+        <p:nvSpPr>
+          <p:cNvPr id="3" name="Content Placeholder 2"/>
+          <p:cNvSpPr>
+            <a:spLocks noGrp="1"/>
+          </p:cNvSpPr>
+          <p:nvPr>
+            <p:ph idx="1"/>
+          </p:nvPr>
+        </p:nvSpPr>
+        <p:spPr/>
+        <p:txBody>
+          <a:bodyPr/>
+          <a:lstStyle/>
+          <a:p>
+            <a:endParaRPr lang="en-GB"/>
+          </a:p>
+        </p:txBody>
+      </p:sp>
+      <p:sp>
+        <p:nvSpPr>
+          <p:cNvPr id="4" name="Slide Number Placeholder 3"/>
+          <p:cNvSpPr>
+            <a:spLocks noGrp="1"/>
+          </p:cNvSpPr>
+          <p:nvPr>
+            <p:ph type="sldNum" sz="quarter" idx="12"/>
+          </p:nvPr>
+        </p:nvSpPr>
+        <p:spPr/>
+        <p:txBody>
+          <a:bodyPr/>
+          <a:lstStyle/>
+          <a:p>
+            <a:fld id="{5BA07366-CB75-4AA8-9E5B-928B849F427C}" type="slidenum">
+              <a:rPr lang="en-GB" smtClean="0"/>
+              <a:t>8</a:t>
+            </a:fld>
+            <a:endParaRPr lang="en-GB" dirty="0"/>
+          </a:p>
+        </p:txBody>
+      </p:sp>
+    </p:spTree>
+    <p:extLst>
+      <p:ext uri="{BB962C8B-B14F-4D97-AF65-F5344CB8AC3E}">
+        <p14:creationId xmlns:p14="http://schemas.microsoft.com/office/powerpoint/2010/main" val="2729215922"/>
+      </p:ext>
+    </p:extLst>
+  </p:cSld>
+  <p:clrMapOvr>
+    <a:masterClrMapping/>
+  </p:clrMapOvr>
+</p:sld>
+</file>
+
+<file path=ppt/slides/slide9.xml><?xml version="1.0" encoding="utf-8"?>
+<p:sld xmlns:a="http://schemas.openxmlformats.org/drawingml/2006/main" xmlns:r="http://schemas.openxmlformats.org/officeDocument/2006/relationships" xmlns:p="http://schemas.openxmlformats.org/presentationml/2006/main">
+  <p:cSld>
+    <p:spTree>
+      <p:nvGrpSpPr>
+        <p:cNvPr id="1" name=""/>
+        <p:cNvGrpSpPr/>
+        <p:nvPr/>
+      </p:nvGrpSpPr>
+      <p:grpSpPr>
+        <a:xfrm>
+          <a:off x="0" y="0"/>
+          <a:ext cx="0" cy="0"/>
+          <a:chOff x="0" y="0"/>
+          <a:chExt cx="0" cy="0"/>
+        </a:xfrm>
+      </p:grpSpPr>
+      <p:sp>
+        <p:nvSpPr>
+          <p:cNvPr id="2" name="Title 1"/>
+          <p:cNvSpPr>
+            <a:spLocks noGrp="1"/>
+          </p:cNvSpPr>
+          <p:nvPr>
+            <p:ph type="title"/>
+          </p:nvPr>
+        </p:nvSpPr>
+        <p:spPr/>
+        <p:txBody>
+          <a:bodyPr/>
+          <a:lstStyle/>
+          <a:p>
+            <a:r>
+              <a:rPr lang="en-GB" dirty="0"/>
+              <a:t>State of the Art</a:t>
+            </a:r>
+            <a:endParaRPr lang="en-GB" dirty="0"/>
+          </a:p>
+        </p:txBody>
+      </p:sp>
+      <p:sp>
+        <p:nvSpPr>
+          <p:cNvPr id="3" name="Content Placeholder 2"/>
+          <p:cNvSpPr>
+            <a:spLocks noGrp="1"/>
+          </p:cNvSpPr>
+          <p:nvPr>
+            <p:ph idx="1"/>
+          </p:nvPr>
+        </p:nvSpPr>
+        <p:spPr/>
+        <p:txBody>
+          <a:bodyPr/>
+          <a:lstStyle/>
+          <a:p>
+            <a:pPr marL="0" indent="0">
+              <a:buNone/>
+            </a:pPr>
+            <a:r>
+              <a:rPr lang="en-GB" sz="1400" dirty="0"/>
+              <a:t>Virtual Reality Technology:</a:t>
+            </a:r>
+          </a:p>
+          <a:p>
+            <a:r>
+              <a:rPr lang="en-GB" sz="1400" dirty="0"/>
+              <a:t>Oculus Rift CV1 and HTC </a:t>
+            </a:r>
+            <a:r>
+              <a:rPr lang="en-GB" sz="1400" dirty="0" err="1"/>
+              <a:t>Vive</a:t>
+            </a:r>
+            <a:r>
+              <a:rPr lang="en-GB" sz="1400" dirty="0"/>
+              <a:t> recently released.</a:t>
+            </a:r>
+          </a:p>
+          <a:p>
+            <a:pPr lvl="1"/>
+            <a:r>
+              <a:rPr lang="nb-NO" sz="1400" dirty="0"/>
+              <a:t>2160×1200 resolution (1080x1200 per eye) at a refresh rate of 90 Hz</a:t>
+            </a:r>
+            <a:r>
+              <a:rPr lang="en-GB" sz="1400" dirty="0"/>
+              <a:t>.</a:t>
+            </a:r>
+          </a:p>
+          <a:p>
+            <a:pPr lvl="1"/>
+            <a:r>
+              <a:rPr lang="en-GB" sz="1400" dirty="0"/>
+              <a:t>OLED displays/lenses with a field of view (</a:t>
+            </a:r>
+            <a:r>
+              <a:rPr lang="en-GB" sz="1400" dirty="0" err="1"/>
+              <a:t>fov</a:t>
+            </a:r>
+            <a:r>
+              <a:rPr lang="en-GB" sz="1400" dirty="0"/>
+              <a:t>) of about 110 degrees.</a:t>
+            </a:r>
+          </a:p>
+          <a:p>
+            <a:pPr lvl="1"/>
+            <a:r>
+              <a:rPr lang="en-GB" sz="1400" dirty="0"/>
+              <a:t>Tracking system both in the headset and outside it (</a:t>
+            </a:r>
+            <a:r>
+              <a:rPr lang="en-GB" sz="1400" dirty="0" err="1"/>
+              <a:t>e.g</a:t>
+            </a:r>
+            <a:r>
+              <a:rPr lang="en-GB" sz="1400" dirty="0"/>
+              <a:t> “base stations”).</a:t>
+            </a:r>
+          </a:p>
+          <a:p>
+            <a:r>
+              <a:rPr lang="en-GB" sz="1400" dirty="0"/>
+              <a:t>Solid SDKs that provides high level abstractions to the hardware</a:t>
+            </a:r>
+          </a:p>
+          <a:p>
+            <a:pPr marL="0" indent="-18000">
+              <a:buNone/>
+            </a:pPr>
+            <a:endParaRPr lang="en-GB" sz="1400" dirty="0"/>
+          </a:p>
+          <a:p>
+            <a:pPr marL="0" indent="-18000">
+              <a:buNone/>
+            </a:pPr>
+            <a:r>
+              <a:rPr lang="en-GB" sz="1400" dirty="0"/>
+              <a:t>Game Engines:</a:t>
+            </a:r>
+          </a:p>
+          <a:p>
+            <a:pPr marL="267750" indent="-285750"/>
+            <a:r>
+              <a:rPr lang="en-GB" sz="1400" dirty="0"/>
+              <a:t>Have generally become more mature, standardized and user-friendly with a broader scope (more commonly used simulators, visualizations </a:t>
+            </a:r>
+            <a:r>
+              <a:rPr lang="en-GB" sz="1400" dirty="0" err="1"/>
+              <a:t>etc</a:t>
+            </a:r>
+            <a:r>
+              <a:rPr lang="en-GB" sz="1400" dirty="0"/>
+              <a:t>).</a:t>
+            </a:r>
+          </a:p>
+          <a:p>
+            <a:pPr marL="267750" indent="-285750"/>
+            <a:r>
+              <a:rPr lang="en-GB" sz="1400" dirty="0"/>
+              <a:t>Often have built-in support or libraries for 3</a:t>
+            </a:r>
+            <a:r>
+              <a:rPr lang="en-GB" sz="1400" baseline="30000" dirty="0"/>
+              <a:t>rd</a:t>
+            </a:r>
+            <a:r>
+              <a:rPr lang="en-GB" sz="1400" dirty="0"/>
+              <a:t> party software or peripherals.</a:t>
+            </a:r>
+          </a:p>
+          <a:p>
+            <a:pPr marL="267750" indent="-285750"/>
+            <a:r>
+              <a:rPr lang="en-GB" sz="1400" dirty="0"/>
+              <a:t>Often offer good deals for indie developers </a:t>
+            </a:r>
+          </a:p>
+          <a:p>
+            <a:pPr marL="483750" lvl="1" indent="-285750"/>
+            <a:r>
+              <a:rPr lang="en-GB" sz="1400" dirty="0" err="1"/>
+              <a:t>E.g</a:t>
+            </a:r>
+            <a:r>
+              <a:rPr lang="en-GB" sz="1400" dirty="0"/>
+              <a:t> Unity Personal is free for companies making less than </a:t>
+            </a:r>
+            <a:r>
+              <a:rPr lang="en-GB" sz="1400" dirty="0"/>
+              <a:t>$100k/year</a:t>
+            </a:r>
+            <a:endParaRPr lang="en-GB" sz="1400" dirty="0"/>
+          </a:p>
+          <a:p>
+            <a:pPr marL="267750" indent="-285750"/>
+            <a:r>
+              <a:rPr lang="en-GB" sz="1400" dirty="0"/>
+              <a:t>Most popular publicly available ones: Unity, Unreal Engine, CryEngine</a:t>
+            </a:r>
+            <a:r>
+              <a:rPr lang="en-GB" dirty="0"/>
+              <a:t>. </a:t>
+            </a:r>
+          </a:p>
+          <a:p>
+            <a:pPr lvl="1"/>
+            <a:endParaRPr lang="en-GB" dirty="0"/>
+          </a:p>
+        </p:txBody>
+      </p:sp>
+      <p:sp>
+        <p:nvSpPr>
+          <p:cNvPr id="4" name="Slide Number Placeholder 3"/>
+          <p:cNvSpPr>
+            <a:spLocks noGrp="1"/>
+          </p:cNvSpPr>
+          <p:nvPr>
+            <p:ph type="sldNum" sz="quarter" idx="12"/>
+          </p:nvPr>
+        </p:nvSpPr>
+        <p:spPr/>
+        <p:txBody>
+          <a:bodyPr/>
+          <a:lstStyle/>
+          <a:p>
+            <a:fld id="{5BA07366-CB75-4AA8-9E5B-928B849F427C}" type="slidenum">
+              <a:rPr lang="en-GB" smtClean="0"/>
+              <a:t>9</a:t>
+            </a:fld>
+            <a:endParaRPr lang="en-GB" dirty="0"/>
+          </a:p>
+        </p:txBody>
+      </p:sp>
+    </p:spTree>
+    <p:extLst>
+      <p:ext uri="{BB962C8B-B14F-4D97-AF65-F5344CB8AC3E}">
+        <p14:creationId xmlns:p14="http://schemas.microsoft.com/office/powerpoint/2010/main" val="676488347"/>
       </p:ext>
     </p:extLst>
   </p:cSld>
